--- a/presentation/Inequality by Demographic Factors_V6.pptx
+++ b/presentation/Inequality by Demographic Factors_V6.pptx
@@ -246,7 +246,7 @@
           <a:p>
             <a:fld id="{EFA0D184-D464-48E9-9CA0-A94E873F6C2C}" type="datetimeFigureOut">
               <a:rPr lang="de-CH" smtClean="0"/>
-              <a:t>03.10.2014</a:t>
+              <a:t>06.10.2014</a:t>
             </a:fld>
             <a:endParaRPr lang="de-CH" dirty="0"/>
           </a:p>
@@ -411,7 +411,7 @@
           <a:p>
             <a:fld id="{5AF2B663-2BA9-4D7E-8201-5DE4109E1EDD}" type="datetimeFigureOut">
               <a:rPr lang="de-CH" smtClean="0"/>
-              <a:t>03.10.2014</a:t>
+              <a:t>06.10.2014</a:t>
             </a:fld>
             <a:endParaRPr lang="de-CH" dirty="0"/>
           </a:p>
@@ -1965,11 +1965,7 @@
             </a:r>
             <a:r>
               <a:rPr lang="de-CH" baseline="0" dirty="0" smtClean="0"/>
-              <a:t> der Auswahl der Kantone haben wir zum Ziel möglichst  lange Entwicklungsperioden </a:t>
-            </a:r>
-            <a:r>
-              <a:rPr lang="de-CH" baseline="0" dirty="0" smtClean="0"/>
-              <a:t>abzudecken.</a:t>
+              <a:t> der Auswahl der Kantone haben wir zum Ziel möglichst  lange Entwicklungsperioden abzudecken.</a:t>
             </a:r>
             <a:endParaRPr lang="de-CH" dirty="0" smtClean="0"/>
           </a:p>
@@ -2297,7 +2293,7 @@
             </a:r>
             <a:r>
               <a:rPr lang="de-CH" baseline="0" dirty="0" err="1" smtClean="0"/>
-              <a:t>the</a:t>
+              <a:t>then</a:t>
             </a:r>
             <a:r>
               <a:rPr lang="de-CH" baseline="0" dirty="0" smtClean="0"/>
@@ -8920,15 +8916,7 @@
             </a:r>
             <a:r>
               <a:rPr lang="en-US" dirty="0" smtClean="0"/>
-              <a:t>- Between and </a:t>
-            </a:r>
-            <a:r>
-              <a:rPr lang="en-US" dirty="0" smtClean="0"/>
-              <a:t>within group </a:t>
-            </a:r>
-            <a:r>
-              <a:rPr lang="en-US" dirty="0" smtClean="0"/>
-              <a:t>inequality</a:t>
+              <a:t>- Between and within group inequality</a:t>
             </a:r>
             <a:endParaRPr lang="en-US" dirty="0"/>
           </a:p>
@@ -9528,33 +9516,13 @@
           <a:p>
             <a:r>
               <a:rPr lang="en-US" i="1" dirty="0" smtClean="0"/>
-              <a:t>On average </a:t>
-            </a:r>
+              <a:t>On average young adults lost, while retired gained and workforce were “stable”</a:t>
+            </a:r>
+          </a:p>
+          <a:p>
             <a:r>
               <a:rPr lang="en-US" i="1" dirty="0" smtClean="0"/>
-              <a:t>young adults lost</a:t>
-            </a:r>
-            <a:r>
-              <a:rPr lang="en-US" i="1" dirty="0" smtClean="0"/>
-              <a:t>, while retired gained and </a:t>
-            </a:r>
-            <a:r>
-              <a:rPr lang="en-US" i="1" dirty="0" smtClean="0"/>
-              <a:t>workforce were </a:t>
-            </a:r>
-            <a:r>
-              <a:rPr lang="en-US" i="1" dirty="0" smtClean="0"/>
-              <a:t>“stable”</a:t>
-            </a:r>
-          </a:p>
-          <a:p>
-            <a:r>
-              <a:rPr lang="en-US" i="1" dirty="0" smtClean="0"/>
-              <a:t>But: Inequality within workforce and especially among </a:t>
-            </a:r>
-            <a:r>
-              <a:rPr lang="en-US" i="1" dirty="0" smtClean="0"/>
-              <a:t>young adults increased strong</a:t>
+              <a:t>But: Inequality within workforce and especially among young adults increased strong</a:t>
             </a:r>
             <a:endParaRPr lang="en-US" dirty="0" smtClean="0"/>
           </a:p>
@@ -9829,11 +9797,7 @@
             </a:r>
             <a:r>
               <a:rPr lang="en-US" dirty="0" smtClean="0"/>
-              <a:t>- Contribution of each within inequality component and between inequality  to overall </a:t>
-            </a:r>
-            <a:r>
-              <a:rPr lang="en-US" dirty="0" smtClean="0"/>
-              <a:t>inequality-</a:t>
+              <a:t>- Contribution of each within inequality component and between inequality  to overall inequality-</a:t>
             </a:r>
             <a:endParaRPr lang="en-US" dirty="0"/>
           </a:p>
@@ -10439,15 +10403,7 @@
           <a:p>
             <a:r>
               <a:rPr lang="en-US" i="1" dirty="0" smtClean="0"/>
-              <a:t>Small increase of between-group component is because </a:t>
-            </a:r>
-            <a:r>
-              <a:rPr lang="en-US" i="1" dirty="0" smtClean="0"/>
-              <a:t>young adults “lost</a:t>
-            </a:r>
-            <a:r>
-              <a:rPr lang="en-US" i="1" dirty="0" smtClean="0"/>
-              <a:t>” relatively</a:t>
+              <a:t>Small increase of between-group component is because young adults “lost” relatively</a:t>
             </a:r>
             <a:endParaRPr lang="en-US" dirty="0" smtClean="0"/>
           </a:p>
@@ -10488,12 +10444,12 @@
           <a:graphicData uri="http://schemas.openxmlformats.org/presentationml/2006/ole">
             <mc:AlternateContent xmlns:mc="http://schemas.openxmlformats.org/markup-compatibility/2006">
               <mc:Choice xmlns:v="urn:schemas-microsoft-com:vml" Requires="v">
-                <p:oleObj spid="_x0000_s4118" name="Worksheet" r:id="rId4" imgW="4391011" imgH="2009843" progId="Excel.Sheet.12">
+                <p:oleObj spid="_x0000_s4121" name="Worksheet" r:id="rId5" imgW="4391011" imgH="2009843" progId="Excel.Sheet.12">
                   <p:embed/>
                 </p:oleObj>
               </mc:Choice>
               <mc:Fallback>
-                <p:oleObj name="Worksheet" r:id="rId4" imgW="4391011" imgH="2009843" progId="Excel.Sheet.12">
+                <p:oleObj name="Worksheet" r:id="rId5" imgW="4391011" imgH="2009843" progId="Excel.Sheet.12">
                   <p:embed/>
                   <p:pic>
                     <p:nvPicPr>
@@ -10502,7 +10458,7 @@
                       <p:nvPr/>
                     </p:nvPicPr>
                     <p:blipFill>
-                      <a:blip r:embed="rId5"/>
+                      <a:blip r:embed="rId6"/>
                       <a:stretch>
                         <a:fillRect/>
                       </a:stretch>
@@ -10828,12 +10784,12 @@
           <a:graphicData uri="http://schemas.openxmlformats.org/presentationml/2006/ole">
             <mc:AlternateContent xmlns:mc="http://schemas.openxmlformats.org/markup-compatibility/2006">
               <mc:Choice xmlns:v="urn:schemas-microsoft-com:vml" Requires="v">
-                <p:oleObj spid="_x0000_s3111" name="Worksheet" r:id="rId4" imgW="3952855" imgH="3429000" progId="Excel.Sheet.12">
+                <p:oleObj spid="_x0000_s3114" name="Worksheet" r:id="rId5" imgW="3952855" imgH="3429000" progId="Excel.Sheet.12">
                   <p:embed/>
                 </p:oleObj>
               </mc:Choice>
               <mc:Fallback>
-                <p:oleObj name="Worksheet" r:id="rId4" imgW="3952855" imgH="3429000" progId="Excel.Sheet.12">
+                <p:oleObj name="Worksheet" r:id="rId5" imgW="3952855" imgH="3429000" progId="Excel.Sheet.12">
                   <p:embed/>
                   <p:pic>
                     <p:nvPicPr>
@@ -10842,7 +10798,7 @@
                       <p:nvPr/>
                     </p:nvPicPr>
                     <p:blipFill>
-                      <a:blip r:embed="rId5"/>
+                      <a:blip r:embed="rId6"/>
                       <a:stretch>
                         <a:fillRect/>
                       </a:stretch>
@@ -11057,15 +11013,7 @@
           <a:p>
             <a:r>
               <a:rPr lang="en-US" i="1" dirty="0" smtClean="0"/>
-              <a:t>Global trend </a:t>
-            </a:r>
-            <a:r>
-              <a:rPr lang="en-US" i="1" dirty="0" smtClean="0"/>
-              <a:t>is reflected in </a:t>
-            </a:r>
-            <a:r>
-              <a:rPr lang="en-US" i="1" dirty="0" smtClean="0"/>
-              <a:t>cantonal data: decline of married and rise of single households</a:t>
+              <a:t>Global trend is reflected in cantonal data: decline of married and rise of single households</a:t>
             </a:r>
           </a:p>
           <a:p>
@@ -11572,7 +11520,6 @@
               <a:rPr lang="en-US" i="1" dirty="0" smtClean="0"/>
               <a:t>Between group differences are high between married and single </a:t>
             </a:r>
-            <a:endParaRPr lang="en-US" i="1" dirty="0" smtClean="0"/>
           </a:p>
           <a:p>
             <a:r>
@@ -12239,12 +12186,12 @@
           <a:graphicData uri="http://schemas.openxmlformats.org/presentationml/2006/ole">
             <mc:AlternateContent xmlns:mc="http://schemas.openxmlformats.org/markup-compatibility/2006">
               <mc:Choice xmlns:v="urn:schemas-microsoft-com:vml" Requires="v">
-                <p:oleObj spid="_x0000_s8208" name="Worksheet" r:id="rId4" imgW="4391011" imgH="2952885" progId="Excel.Sheet.12">
+                <p:oleObj spid="_x0000_s8211" name="Worksheet" r:id="rId5" imgW="4391011" imgH="2952885" progId="Excel.Sheet.12">
                   <p:embed/>
                 </p:oleObj>
               </mc:Choice>
               <mc:Fallback>
-                <p:oleObj name="Worksheet" r:id="rId4" imgW="4391011" imgH="2952885" progId="Excel.Sheet.12">
+                <p:oleObj name="Worksheet" r:id="rId5" imgW="4391011" imgH="2952885" progId="Excel.Sheet.12">
                   <p:embed/>
                   <p:pic>
                     <p:nvPicPr>
@@ -12253,7 +12200,7 @@
                       <p:nvPr/>
                     </p:nvPicPr>
                     <p:blipFill>
-                      <a:blip r:embed="rId5"/>
+                      <a:blip r:embed="rId6"/>
                       <a:stretch>
                         <a:fillRect/>
                       </a:stretch>
@@ -12343,7 +12290,27 @@
                 <a:latin typeface="Lucida Sans"/>
                 <a:ea typeface="MS PGothic"/>
               </a:rPr>
-              <a:t>Counterfactual Distribution – How would inequality be, if demographic structure wouldn't have changed?</a:t>
+              <a:t>Counterfactual Distribution – How would inequality look </a:t>
+            </a:r>
+            <a:r>
+              <a:rPr lang="en-US" sz="2200" dirty="0" smtClean="0">
+                <a:solidFill>
+                  <a:srgbClr val="697D91"/>
+                </a:solidFill>
+                <a:latin typeface="Lucida Sans"/>
+                <a:ea typeface="MS PGothic"/>
+              </a:rPr>
+              <a:t>like, </a:t>
+            </a:r>
+            <a:r>
+              <a:rPr lang="en-US" sz="2200" dirty="0" smtClean="0">
+                <a:solidFill>
+                  <a:srgbClr val="697D91"/>
+                </a:solidFill>
+                <a:latin typeface="Lucida Sans"/>
+                <a:ea typeface="MS PGothic"/>
+              </a:rPr>
+              <a:t>if demographic structure wouldn't have changed?</a:t>
             </a:r>
             <a:endParaRPr lang="en-US" sz="2200" dirty="0"/>
           </a:p>
@@ -12751,7 +12718,17 @@
               <a:rPr lang="en-US" b="1" i="1" dirty="0" smtClean="0"/>
               <a:t>Result</a:t>
             </a:r>
-            <a:endParaRPr lang="en-US" b="1" i="1" dirty="0"/>
+          </a:p>
+          <a:p>
+            <a:r>
+              <a:rPr lang="en-US" i="1" dirty="0" smtClean="0"/>
+              <a:t>Inequality would be </a:t>
+            </a:r>
+            <a:r>
+              <a:rPr lang="en-US" i="1" dirty="0" smtClean="0"/>
+              <a:t>smaller</a:t>
+            </a:r>
+            <a:endParaRPr lang="en-US" b="1" i="1" dirty="0" smtClean="0"/>
           </a:p>
           <a:p>
             <a:r>
@@ -14275,11 +14252,7 @@
             </a:r>
             <a:r>
               <a:rPr lang="en-US" sz="1700" dirty="0" smtClean="0"/>
-              <a:t>inequality </a:t>
-            </a:r>
-            <a:r>
-              <a:rPr lang="en-US" sz="1700" dirty="0" smtClean="0"/>
-              <a:t>two inequality-relevant «processes» must be separated</a:t>
+              <a:t>inequality two inequality-relevant «processes» must be separated</a:t>
             </a:r>
             <a:r>
               <a:rPr lang="en-US" sz="1700" dirty="0"/>
@@ -14481,48 +14454,44 @@
           <a:bodyPr/>
           <a:lstStyle/>
           <a:p>
-            <a:pPr marL="0" indent="0">
-              <a:buNone/>
-            </a:pPr>
-            <a:endParaRPr lang="de-CH" i="1" dirty="0"/>
-          </a:p>
-          <a:p>
-            <a:pPr marL="271463" lvl="1" indent="-271463"/>
+            <a:pPr lvl="1"/>
             <a:r>
               <a:rPr lang="en-US" dirty="0" smtClean="0"/>
-              <a:t>Data from six Cantons (ZH, BS, JU, AG, OW). More to come…</a:t>
-            </a:r>
-          </a:p>
-          <a:p>
-            <a:endParaRPr lang="de-CH" i="1" dirty="0" smtClean="0"/>
-          </a:p>
-          <a:p>
-            <a:r>
-              <a:rPr lang="de-CH" i="1" dirty="0" smtClean="0"/>
-              <a:t>Basel-City</a:t>
-            </a:r>
-            <a:endParaRPr lang="de-CH" i="1" dirty="0" smtClean="0"/>
+              <a:t>Tax </a:t>
+            </a:r>
+            <a:r>
+              <a:rPr lang="en-US" dirty="0"/>
+              <a:t>data is administrative data, which means it’s a process generated, non-reactive data source (</a:t>
+            </a:r>
+            <a:r>
+              <a:rPr lang="en-US" dirty="0" err="1"/>
+              <a:t>Diekman</a:t>
+            </a:r>
+            <a:r>
+              <a:rPr lang="en-US" dirty="0"/>
+              <a:t> 2009:653)</a:t>
+            </a:r>
+          </a:p>
+          <a:p>
+            <a:pPr marL="1171575" lvl="2" indent="-257175"/>
+            <a:r>
+              <a:rPr lang="en-US" sz="1600" dirty="0"/>
+              <a:t>Nice, because data coverage is good (no sample bias)</a:t>
+            </a:r>
+          </a:p>
+          <a:p>
+            <a:pPr marL="1171575" lvl="2" indent="-257175"/>
+            <a:r>
+              <a:rPr lang="en-US" sz="1600" dirty="0"/>
+              <a:t>Bad, because data doesn’t always meet theoretical interesting constructs</a:t>
+            </a:r>
+            <a:r>
+              <a:rPr lang="de-CH" sz="1600" dirty="0"/>
+              <a:t>. </a:t>
+            </a:r>
           </a:p>
           <a:p>
             <a:pPr lvl="1"/>
-            <a:r>
-              <a:rPr lang="en-US" dirty="0" smtClean="0"/>
-              <a:t>Urban canton</a:t>
-            </a:r>
-          </a:p>
-          <a:p>
-            <a:pPr lvl="1"/>
-            <a:r>
-              <a:rPr lang="en-US" dirty="0" smtClean="0"/>
-              <a:t>German speaking</a:t>
-            </a:r>
-          </a:p>
-          <a:p>
-            <a:pPr lvl="1"/>
-            <a:r>
-              <a:rPr lang="en-US" dirty="0" smtClean="0"/>
-              <a:t>Time period: 1991-2011</a:t>
-            </a:r>
             <a:endParaRPr lang="en-US" dirty="0" smtClean="0"/>
           </a:p>
         </p:txBody>
@@ -14755,8 +14724,8 @@
         </p:nvSpPr>
         <p:spPr>
           <a:xfrm>
-            <a:off x="373380" y="2465555"/>
-            <a:ext cx="4815840" cy="3416320"/>
+            <a:off x="373380" y="2437697"/>
+            <a:ext cx="4815840" cy="3194721"/>
           </a:xfrm>
           <a:prstGeom prst="rect">
             <a:avLst/>
@@ -14768,7 +14737,7 @@
           </a:bodyPr>
           <a:lstStyle/>
           <a:p>
-            <a:pPr marL="714375" lvl="1" indent="-257175">
+            <a:pPr marL="257175" indent="-257175">
               <a:spcBef>
                 <a:spcPct val="20000"/>
               </a:spcBef>
@@ -14806,10 +14775,18 @@
                 <a:cs typeface="Lucida Sans"/>
                 <a:hlinkClick r:id="rId3"/>
               </a:rPr>
-              <a:t>http://inequalities.ch/</a:t>
-            </a:r>
-            <a:r>
-              <a:rPr lang="de-CH" sz="1800" dirty="0">
+              <a:t>http://inequalities.ch</a:t>
+            </a:r>
+            <a:r>
+              <a:rPr lang="de-CH" sz="1800" dirty="0" smtClean="0">
+                <a:latin typeface="Lucida Sans"/>
+                <a:cs typeface="Lucida Sans"/>
+                <a:hlinkClick r:id="rId3"/>
+              </a:rPr>
+              <a:t>/</a:t>
+            </a:r>
+            <a:r>
+              <a:rPr lang="de-CH" sz="1800" dirty="0" smtClean="0">
                 <a:latin typeface="Lucida Sans"/>
                 <a:cs typeface="Lucida Sans"/>
               </a:rPr>
@@ -14817,7 +14794,7 @@
             </a:r>
           </a:p>
           <a:p>
-            <a:pPr marL="714375" lvl="1" indent="-257175">
+            <a:pPr marL="271463" lvl="1" indent="-271463">
               <a:spcBef>
                 <a:spcPct val="20000"/>
               </a:spcBef>
@@ -14829,29 +14806,32 @@
               <a:buChar char="▶"/>
             </a:pPr>
             <a:r>
+              <a:rPr lang="en-US" sz="1800" dirty="0">
+                <a:solidFill>
+                  <a:prstClr val="black"/>
+                </a:solidFill>
+                <a:latin typeface="Lucida Sans"/>
+              </a:rPr>
+              <a:t>Data from six Cantons (ZH, BS, JU, AG, OW). More to come</a:t>
+            </a:r>
+            <a:r>
               <a:rPr lang="en-US" sz="1800" dirty="0" smtClean="0">
-                <a:latin typeface="Lucida Sans"/>
-                <a:cs typeface="Lucida Sans"/>
+                <a:solidFill>
+                  <a:prstClr val="black"/>
+                </a:solidFill>
+                <a:latin typeface="Lucida Sans"/>
               </a:rPr>
-              <a:t>Tax data is administrative data, which means it’s a process generated, non-reactive data source (</a:t>
-            </a:r>
-            <a:r>
-              <a:rPr lang="en-US" sz="1800" dirty="0" err="1" smtClean="0">
-                <a:latin typeface="Lucida Sans"/>
-                <a:cs typeface="Lucida Sans"/>
-              </a:rPr>
-              <a:t>Diekman</a:t>
-            </a:r>
-            <a:r>
-              <a:rPr lang="en-US" sz="1800" dirty="0" smtClean="0">
-                <a:latin typeface="Lucida Sans"/>
-                <a:cs typeface="Lucida Sans"/>
-              </a:rPr>
-              <a:t> 2009:653)</a:t>
-            </a:r>
-          </a:p>
-          <a:p>
-            <a:pPr marL="1171575" lvl="2" indent="-257175">
+              <a:t>…</a:t>
+            </a:r>
+            <a:endParaRPr lang="de-CH" sz="1800" i="1" dirty="0">
+              <a:solidFill>
+                <a:prstClr val="black"/>
+              </a:solidFill>
+              <a:latin typeface="Lucida Sans"/>
+            </a:endParaRPr>
+          </a:p>
+          <a:p>
+            <a:pPr marL="271463" lvl="0" indent="-271463">
               <a:spcBef>
                 <a:spcPct val="20000"/>
               </a:spcBef>
@@ -14863,15 +14843,17 @@
               <a:buChar char="▶"/>
             </a:pPr>
             <a:r>
-              <a:rPr lang="en-US" sz="1600" dirty="0" smtClean="0">
-                <a:latin typeface="Lucida Sans"/>
-                <a:cs typeface="Lucida Sans"/>
+              <a:rPr lang="de-CH" sz="1800" i="1" dirty="0">
+                <a:solidFill>
+                  <a:prstClr val="black"/>
+                </a:solidFill>
+                <a:latin typeface="Lucida Sans"/>
               </a:rPr>
-              <a:t>Nice, because data coverage is good (no sample bias)</a:t>
-            </a:r>
-          </a:p>
-          <a:p>
-            <a:pPr marL="1171575" lvl="2" indent="-257175">
+              <a:t>Basel-City</a:t>
+            </a:r>
+          </a:p>
+          <a:p>
+            <a:pPr marL="714375" lvl="1" indent="-257175">
               <a:spcBef>
                 <a:spcPct val="20000"/>
               </a:spcBef>
@@ -14883,20 +14865,72 @@
               <a:buChar char="▶"/>
             </a:pPr>
             <a:r>
-              <a:rPr lang="en-US" sz="1600" dirty="0" smtClean="0">
-                <a:latin typeface="Lucida Sans"/>
-                <a:cs typeface="Lucida Sans"/>
+              <a:rPr lang="en-US" sz="1800" dirty="0">
+                <a:solidFill>
+                  <a:prstClr val="black"/>
+                </a:solidFill>
+                <a:latin typeface="Lucida Sans"/>
               </a:rPr>
-              <a:t>Bad, because data doesn’t always meet theoretical interesting constructs</a:t>
-            </a:r>
-            <a:r>
-              <a:rPr lang="de-CH" sz="1600" dirty="0" smtClean="0">
-                <a:latin typeface="Lucida Sans"/>
-                <a:cs typeface="Lucida Sans"/>
+              <a:t>Urban canton</a:t>
+            </a:r>
+          </a:p>
+          <a:p>
+            <a:pPr marL="714375" lvl="1" indent="-257175">
+              <a:spcBef>
+                <a:spcPct val="20000"/>
+              </a:spcBef>
+              <a:buClr>
+                <a:srgbClr val="FAA500"/>
+              </a:buClr>
+              <a:buSzPct val="80000"/>
+              <a:buFont typeface="Lucida Grande"/>
+              <a:buChar char="▶"/>
+            </a:pPr>
+            <a:r>
+              <a:rPr lang="en-US" sz="1800" dirty="0">
+                <a:solidFill>
+                  <a:prstClr val="black"/>
+                </a:solidFill>
+                <a:latin typeface="Lucida Sans"/>
               </a:rPr>
-              <a:t>. </a:t>
-            </a:r>
-            <a:endParaRPr lang="de-CH" sz="1600" dirty="0">
+              <a:t>German speaking</a:t>
+            </a:r>
+          </a:p>
+          <a:p>
+            <a:pPr marL="714375" lvl="1" indent="-257175">
+              <a:spcBef>
+                <a:spcPct val="20000"/>
+              </a:spcBef>
+              <a:buClr>
+                <a:srgbClr val="FAA500"/>
+              </a:buClr>
+              <a:buSzPct val="80000"/>
+              <a:buFont typeface="Lucida Grande"/>
+              <a:buChar char="▶"/>
+            </a:pPr>
+            <a:r>
+              <a:rPr lang="en-US" sz="1800" dirty="0">
+                <a:solidFill>
+                  <a:prstClr val="black"/>
+                </a:solidFill>
+                <a:latin typeface="Lucida Sans"/>
+              </a:rPr>
+              <a:t>Time period: 1991-2011</a:t>
+            </a:r>
+          </a:p>
+          <a:p>
+            <a:pPr marL="714375" lvl="1" indent="-257175">
+              <a:spcBef>
+                <a:spcPct val="20000"/>
+              </a:spcBef>
+              <a:buClr>
+                <a:srgbClr val="FAA500"/>
+              </a:buClr>
+              <a:buSzPct val="80000"/>
+              <a:buFont typeface="Lucida Grande"/>
+              <a:buChar char="▶"/>
+            </a:pPr>
+            <a:endParaRPr lang="de-CH" sz="1800" dirty="0">
               <a:latin typeface="Lucida Sans"/>
               <a:cs typeface="Lucida Sans"/>
             </a:endParaRPr>
@@ -14980,11 +15014,7 @@
           <a:p>
             <a:r>
               <a:rPr lang="en-US" dirty="0" smtClean="0"/>
-              <a:t>Net income, Household </a:t>
-            </a:r>
-            <a:r>
-              <a:rPr lang="en-US" dirty="0" smtClean="0"/>
-              <a:t>types and age groups</a:t>
+              <a:t>Net income, Household types and age groups</a:t>
             </a:r>
           </a:p>
           <a:p>
@@ -15295,7 +15325,6 @@
               <a:rPr lang="en-US" dirty="0" smtClean="0"/>
               <a:t>Retired (pensions)</a:t>
             </a:r>
-            <a:endParaRPr lang="en-US" dirty="0" smtClean="0"/>
           </a:p>
           <a:p>
             <a:pPr lvl="2"/>
@@ -15523,39 +15552,39 @@
           </a:p>
           <a:p>
             <a:r>
-              <a:rPr lang="en-US" sz="1600" i="1" dirty="0" smtClean="0"/>
+              <a:rPr lang="en-US" sz="1600" dirty="0" smtClean="0"/>
               <a:t>Taxable measure that includes</a:t>
             </a:r>
           </a:p>
           <a:p>
             <a:pPr lvl="1"/>
             <a:r>
-              <a:rPr lang="en-US" sz="1600" i="1" dirty="0" smtClean="0"/>
+              <a:rPr lang="en-US" sz="1600" dirty="0" smtClean="0"/>
               <a:t>+ Income from labor</a:t>
             </a:r>
           </a:p>
           <a:p>
             <a:pPr lvl="1"/>
             <a:r>
-              <a:rPr lang="en-US" sz="1600" i="1" dirty="0" smtClean="0"/>
+              <a:rPr lang="en-US" sz="1600" dirty="0" smtClean="0"/>
               <a:t>+ Income from property</a:t>
             </a:r>
           </a:p>
           <a:p>
             <a:pPr lvl="1"/>
             <a:r>
-              <a:rPr lang="en-US" sz="1600" i="1" dirty="0" smtClean="0"/>
+              <a:rPr lang="en-US" sz="1600" dirty="0" smtClean="0"/>
               <a:t>+ Direct social transfers</a:t>
             </a:r>
           </a:p>
           <a:p>
             <a:pPr lvl="1"/>
             <a:r>
-              <a:rPr lang="en-US" sz="1600" i="1" dirty="0" smtClean="0"/>
+              <a:rPr lang="en-US" sz="1600" dirty="0" smtClean="0"/>
               <a:t>- Deductions, </a:t>
             </a:r>
             <a:r>
-              <a:rPr lang="en-US" sz="1400" i="1" dirty="0" smtClean="0"/>
+              <a:rPr lang="en-US" sz="1400" dirty="0" smtClean="0"/>
               <a:t>but no social deductions</a:t>
             </a:r>
           </a:p>
@@ -15668,8 +15697,8 @@
           </a:p>
         </p:txBody>
       </p:sp>
-      <mc:AlternateContent xmlns:mc="http://schemas.openxmlformats.org/markup-compatibility/2006">
-        <mc:Choice xmlns:a14="http://schemas.microsoft.com/office/drawing/2010/main" Requires="a14">
+      <mc:AlternateContent xmlns:mc="http://schemas.openxmlformats.org/markup-compatibility/2006" xmlns:a14="http://schemas.microsoft.com/office/drawing/2010/main">
+        <mc:Choice Requires="a14">
           <p:sp>
             <p:nvSpPr>
               <p:cNvPr id="4" name="Inhaltsplatzhalter 3"/>
@@ -15693,15 +15722,7 @@
                 <a:pPr lvl="1"/>
                 <a:r>
                   <a:rPr lang="en-US" dirty="0" smtClean="0"/>
-                  <a:t>Theil-Index, </a:t>
-                </a:r>
-                <a:r>
-                  <a:rPr lang="en-US" dirty="0" smtClean="0"/>
-                  <a:t>an </a:t>
-                </a:r>
-                <a:r>
-                  <a:rPr lang="en-US" dirty="0" smtClean="0"/>
-                  <a:t>inequality measure developed from information theory, is additively decomposable (Gini is not). Theil can be expressed as the between-group inequality plus the weighted sum of the inequality within each group </a:t>
+                  <a:t>Theil-Index, an inequality measure developed from information theory, is additively decomposable (Gini is not). Theil can be expressed as the between-group inequality plus the weighted sum of the inequality within each group </a:t>
                 </a:r>
               </a:p>
               <a:p>
@@ -16128,7 +16149,7 @@
             </p:txBody>
           </p:sp>
         </mc:Choice>
-        <mc:Fallback>
+        <mc:Fallback xmlns="">
           <p:sp>
             <p:nvSpPr>
               <p:cNvPr id="4" name="Inhaltsplatzhalter 3"/>
@@ -16603,11 +16624,7 @@
             </a:r>
             <a:r>
               <a:rPr lang="en-US" dirty="0" smtClean="0"/>
-              <a:t>- Demographic change and </a:t>
-            </a:r>
-            <a:r>
-              <a:rPr lang="en-US" dirty="0" smtClean="0"/>
-              <a:t>change of Inequality Composition</a:t>
+              <a:t>- Demographic change and change of Inequality Composition</a:t>
             </a:r>
             <a:endParaRPr lang="en-US" dirty="0"/>
           </a:p>
@@ -17207,15 +17224,7 @@
           <a:p>
             <a:r>
               <a:rPr lang="en-US" i="1" dirty="0" smtClean="0"/>
-              <a:t>(1) </a:t>
-            </a:r>
-            <a:r>
-              <a:rPr lang="en-US" i="1" dirty="0" smtClean="0"/>
-              <a:t>No </a:t>
-            </a:r>
-            <a:r>
-              <a:rPr lang="en-US" i="1" dirty="0" smtClean="0"/>
-              <a:t>big changes concerning shares of age groups</a:t>
+              <a:t>(1) No big changes concerning shares of age groups</a:t>
             </a:r>
           </a:p>
           <a:p>
@@ -17227,11 +17236,7 @@
           <a:p>
             <a:r>
               <a:rPr lang="en-US" i="1" dirty="0" smtClean="0"/>
-              <a:t>(3) Within </a:t>
-            </a:r>
-            <a:r>
-              <a:rPr lang="en-US" i="1" dirty="0" smtClean="0"/>
-              <a:t>group inequality «drives» overall inequality… </a:t>
+              <a:t>(3) Within group inequality «drives» overall inequality… </a:t>
             </a:r>
           </a:p>
           <a:p>
@@ -17277,12 +17282,12 @@
           <a:graphicData uri="http://schemas.openxmlformats.org/presentationml/2006/ole">
             <mc:AlternateContent xmlns:mc="http://schemas.openxmlformats.org/markup-compatibility/2006">
               <mc:Choice xmlns:v="urn:schemas-microsoft-com:vml" Requires="v">
-                <p:oleObj spid="_x0000_s2090" name="Worksheet" r:id="rId4" imgW="4057667" imgH="3152843" progId="Excel.Sheet.12">
+                <p:oleObj spid="_x0000_s2093" name="Worksheet" r:id="rId5" imgW="4057667" imgH="3152843" progId="Excel.Sheet.12">
                   <p:embed/>
                 </p:oleObj>
               </mc:Choice>
               <mc:Fallback>
-                <p:oleObj name="Worksheet" r:id="rId4" imgW="4057667" imgH="3152843" progId="Excel.Sheet.12">
+                <p:oleObj name="Worksheet" r:id="rId5" imgW="4057667" imgH="3152843" progId="Excel.Sheet.12">
                   <p:embed/>
                   <p:pic>
                     <p:nvPicPr>
@@ -17291,7 +17296,7 @@
                       <p:nvPr/>
                     </p:nvPicPr>
                     <p:blipFill>
-                      <a:blip r:embed="rId5"/>
+                      <a:blip r:embed="rId6"/>
                       <a:stretch>
                         <a:fillRect/>
                       </a:stretch>
